--- a/ppt 16-9/1290.欢悦.pptx
+++ b/ppt 16-9/1290.欢悦.pptx
@@ -129,7 +129,7 @@
           <p:cNvPr id="2" name="标题 1">
             <a:extLst>
               <a:ext uri="{FF2B5EF4-FFF2-40B4-BE49-F238E27FC236}">
-                <a16:creationId xmlns:a16="http://schemas.microsoft.com/office/drawing/2014/main" id="{5C739B46-2B3E-B18E-6E78-2D45DF359E58}"/>
+                <a16:creationId xmlns:a16="http://schemas.microsoft.com/office/drawing/2014/main" id="{F3AC9907-A0B0-6C9C-FB56-3E381F0E7A9C}"/>
               </a:ext>
             </a:extLst>
           </p:cNvPr>
@@ -166,7 +166,7 @@
           <p:cNvPr id="3" name="副标题 2">
             <a:extLst>
               <a:ext uri="{FF2B5EF4-FFF2-40B4-BE49-F238E27FC236}">
-                <a16:creationId xmlns:a16="http://schemas.microsoft.com/office/drawing/2014/main" id="{FBEF9820-2ACF-DE6C-AD8B-A5D35A3D992F}"/>
+                <a16:creationId xmlns:a16="http://schemas.microsoft.com/office/drawing/2014/main" id="{64A33141-BE7E-C94F-DB79-73DE49369A78}"/>
               </a:ext>
             </a:extLst>
           </p:cNvPr>
@@ -236,7 +236,7 @@
           <p:cNvPr id="4" name="日期占位符 3">
             <a:extLst>
               <a:ext uri="{FF2B5EF4-FFF2-40B4-BE49-F238E27FC236}">
-                <a16:creationId xmlns:a16="http://schemas.microsoft.com/office/drawing/2014/main" id="{21557B20-D790-25FE-BB2B-8C1584CF7A26}"/>
+                <a16:creationId xmlns:a16="http://schemas.microsoft.com/office/drawing/2014/main" id="{B195437C-0724-EB5F-F447-53C3A425876E}"/>
               </a:ext>
             </a:extLst>
           </p:cNvPr>
@@ -252,7 +252,7 @@
           <a:bodyPr/>
           <a:lstStyle/>
           <a:p>
-            <a:fld id="{606452F1-6DD0-4F52-8CD5-FB790D624D43}" type="datetimeFigureOut">
+            <a:fld id="{C2124310-3219-47AE-B5F0-B03BEB37247F}" type="datetimeFigureOut">
               <a:rPr lang="zh-CN" altLang="en-US" smtClean="0"/>
               <a:t>2024/3/10</a:t>
             </a:fld>
@@ -265,7 +265,7 @@
           <p:cNvPr id="5" name="页脚占位符 4">
             <a:extLst>
               <a:ext uri="{FF2B5EF4-FFF2-40B4-BE49-F238E27FC236}">
-                <a16:creationId xmlns:a16="http://schemas.microsoft.com/office/drawing/2014/main" id="{FDA2BDD3-4913-E91A-DDB1-77691C661E26}"/>
+                <a16:creationId xmlns:a16="http://schemas.microsoft.com/office/drawing/2014/main" id="{028BECBC-1122-4CE0-430C-A789BE5D7D18}"/>
               </a:ext>
             </a:extLst>
           </p:cNvPr>
@@ -290,7 +290,7 @@
           <p:cNvPr id="6" name="灯片编号占位符 5">
             <a:extLst>
               <a:ext uri="{FF2B5EF4-FFF2-40B4-BE49-F238E27FC236}">
-                <a16:creationId xmlns:a16="http://schemas.microsoft.com/office/drawing/2014/main" id="{3E924CB6-E05E-0B67-A5B6-01BD2EDD3A87}"/>
+                <a16:creationId xmlns:a16="http://schemas.microsoft.com/office/drawing/2014/main" id="{AE425204-4DE3-B7C0-26BC-2E0A5F26F5AC}"/>
               </a:ext>
             </a:extLst>
           </p:cNvPr>
@@ -306,7 +306,7 @@
           <a:bodyPr/>
           <a:lstStyle/>
           <a:p>
-            <a:fld id="{7976827E-225F-4BF1-A848-3EE5B84B17C1}" type="slidenum">
+            <a:fld id="{1C4559B9-668C-4DA9-A6EF-F44F8F48316C}" type="slidenum">
               <a:rPr lang="zh-CN" altLang="en-US" smtClean="0"/>
               <a:t>‹#›</a:t>
             </a:fld>
@@ -317,7 +317,7 @@
     </p:spTree>
     <p:extLst>
       <p:ext uri="{BB962C8B-B14F-4D97-AF65-F5344CB8AC3E}">
-        <p14:creationId xmlns:p14="http://schemas.microsoft.com/office/powerpoint/2010/main" val="3089732299"/>
+        <p14:creationId xmlns:p14="http://schemas.microsoft.com/office/powerpoint/2010/main" val="222273324"/>
       </p:ext>
     </p:extLst>
   </p:cSld>
@@ -349,7 +349,7 @@
           <p:cNvPr id="2" name="标题 1">
             <a:extLst>
               <a:ext uri="{FF2B5EF4-FFF2-40B4-BE49-F238E27FC236}">
-                <a16:creationId xmlns:a16="http://schemas.microsoft.com/office/drawing/2014/main" id="{6944FDD3-A9B4-AAB8-F322-0F99F4CB4EFA}"/>
+                <a16:creationId xmlns:a16="http://schemas.microsoft.com/office/drawing/2014/main" id="{2DA98F3D-F5D9-9BFD-5A09-5CF52C2B4599}"/>
               </a:ext>
             </a:extLst>
           </p:cNvPr>
@@ -377,7 +377,7 @@
           <p:cNvPr id="3" name="竖排文字占位符 2">
             <a:extLst>
               <a:ext uri="{FF2B5EF4-FFF2-40B4-BE49-F238E27FC236}">
-                <a16:creationId xmlns:a16="http://schemas.microsoft.com/office/drawing/2014/main" id="{841F825B-3402-DE23-B488-E1669D92BC56}"/>
+                <a16:creationId xmlns:a16="http://schemas.microsoft.com/office/drawing/2014/main" id="{EEFAE6EB-760B-0854-6D67-EBAE3B924A05}"/>
               </a:ext>
             </a:extLst>
           </p:cNvPr>
@@ -434,7 +434,7 @@
           <p:cNvPr id="4" name="日期占位符 3">
             <a:extLst>
               <a:ext uri="{FF2B5EF4-FFF2-40B4-BE49-F238E27FC236}">
-                <a16:creationId xmlns:a16="http://schemas.microsoft.com/office/drawing/2014/main" id="{59395E75-9CD1-3526-BC3B-3A279CC6CB0F}"/>
+                <a16:creationId xmlns:a16="http://schemas.microsoft.com/office/drawing/2014/main" id="{684C3172-31E7-FCEC-F867-60B847B3763C}"/>
               </a:ext>
             </a:extLst>
           </p:cNvPr>
@@ -450,7 +450,7 @@
           <a:bodyPr/>
           <a:lstStyle/>
           <a:p>
-            <a:fld id="{606452F1-6DD0-4F52-8CD5-FB790D624D43}" type="datetimeFigureOut">
+            <a:fld id="{C2124310-3219-47AE-B5F0-B03BEB37247F}" type="datetimeFigureOut">
               <a:rPr lang="zh-CN" altLang="en-US" smtClean="0"/>
               <a:t>2024/3/10</a:t>
             </a:fld>
@@ -463,7 +463,7 @@
           <p:cNvPr id="5" name="页脚占位符 4">
             <a:extLst>
               <a:ext uri="{FF2B5EF4-FFF2-40B4-BE49-F238E27FC236}">
-                <a16:creationId xmlns:a16="http://schemas.microsoft.com/office/drawing/2014/main" id="{0AB8D71D-D116-FEFF-7FB7-DDA066CB6281}"/>
+                <a16:creationId xmlns:a16="http://schemas.microsoft.com/office/drawing/2014/main" id="{4C000DD1-7EAA-AF5C-FB10-BC8C68CA23A4}"/>
               </a:ext>
             </a:extLst>
           </p:cNvPr>
@@ -488,7 +488,7 @@
           <p:cNvPr id="6" name="灯片编号占位符 5">
             <a:extLst>
               <a:ext uri="{FF2B5EF4-FFF2-40B4-BE49-F238E27FC236}">
-                <a16:creationId xmlns:a16="http://schemas.microsoft.com/office/drawing/2014/main" id="{1742531E-5559-E06C-38F1-9AB52B221AAF}"/>
+                <a16:creationId xmlns:a16="http://schemas.microsoft.com/office/drawing/2014/main" id="{74010033-C33F-91FB-06D6-7826C3C10F5A}"/>
               </a:ext>
             </a:extLst>
           </p:cNvPr>
@@ -504,7 +504,7 @@
           <a:bodyPr/>
           <a:lstStyle/>
           <a:p>
-            <a:fld id="{7976827E-225F-4BF1-A848-3EE5B84B17C1}" type="slidenum">
+            <a:fld id="{1C4559B9-668C-4DA9-A6EF-F44F8F48316C}" type="slidenum">
               <a:rPr lang="zh-CN" altLang="en-US" smtClean="0"/>
               <a:t>‹#›</a:t>
             </a:fld>
@@ -515,7 +515,7 @@
     </p:spTree>
     <p:extLst>
       <p:ext uri="{BB962C8B-B14F-4D97-AF65-F5344CB8AC3E}">
-        <p14:creationId xmlns:p14="http://schemas.microsoft.com/office/powerpoint/2010/main" val="293585919"/>
+        <p14:creationId xmlns:p14="http://schemas.microsoft.com/office/powerpoint/2010/main" val="953890883"/>
       </p:ext>
     </p:extLst>
   </p:cSld>
@@ -547,7 +547,7 @@
           <p:cNvPr id="2" name="竖排标题 1">
             <a:extLst>
               <a:ext uri="{FF2B5EF4-FFF2-40B4-BE49-F238E27FC236}">
-                <a16:creationId xmlns:a16="http://schemas.microsoft.com/office/drawing/2014/main" id="{E18664BB-865D-9F15-BB7E-BDDA0252BD9E}"/>
+                <a16:creationId xmlns:a16="http://schemas.microsoft.com/office/drawing/2014/main" id="{2782B338-6A27-5B18-F3D3-ADC819D1CF8D}"/>
               </a:ext>
             </a:extLst>
           </p:cNvPr>
@@ -580,7 +580,7 @@
           <p:cNvPr id="3" name="竖排文字占位符 2">
             <a:extLst>
               <a:ext uri="{FF2B5EF4-FFF2-40B4-BE49-F238E27FC236}">
-                <a16:creationId xmlns:a16="http://schemas.microsoft.com/office/drawing/2014/main" id="{8E84A71B-777C-FF61-99E3-CFC28C0B18F9}"/>
+                <a16:creationId xmlns:a16="http://schemas.microsoft.com/office/drawing/2014/main" id="{3ACD4DB7-1DE2-B9E3-E1C5-91893BDEB7D2}"/>
               </a:ext>
             </a:extLst>
           </p:cNvPr>
@@ -642,7 +642,7 @@
           <p:cNvPr id="4" name="日期占位符 3">
             <a:extLst>
               <a:ext uri="{FF2B5EF4-FFF2-40B4-BE49-F238E27FC236}">
-                <a16:creationId xmlns:a16="http://schemas.microsoft.com/office/drawing/2014/main" id="{AA0881FD-3845-F3B0-A230-B69EC10010CB}"/>
+                <a16:creationId xmlns:a16="http://schemas.microsoft.com/office/drawing/2014/main" id="{0C46784B-1899-B86C-0B61-0B4F71837863}"/>
               </a:ext>
             </a:extLst>
           </p:cNvPr>
@@ -658,7 +658,7 @@
           <a:bodyPr/>
           <a:lstStyle/>
           <a:p>
-            <a:fld id="{606452F1-6DD0-4F52-8CD5-FB790D624D43}" type="datetimeFigureOut">
+            <a:fld id="{C2124310-3219-47AE-B5F0-B03BEB37247F}" type="datetimeFigureOut">
               <a:rPr lang="zh-CN" altLang="en-US" smtClean="0"/>
               <a:t>2024/3/10</a:t>
             </a:fld>
@@ -671,7 +671,7 @@
           <p:cNvPr id="5" name="页脚占位符 4">
             <a:extLst>
               <a:ext uri="{FF2B5EF4-FFF2-40B4-BE49-F238E27FC236}">
-                <a16:creationId xmlns:a16="http://schemas.microsoft.com/office/drawing/2014/main" id="{551F13F3-0D3A-E4A6-47DE-D770732B9EB9}"/>
+                <a16:creationId xmlns:a16="http://schemas.microsoft.com/office/drawing/2014/main" id="{6455781A-0DAE-B2C3-F414-EB353234F9C1}"/>
               </a:ext>
             </a:extLst>
           </p:cNvPr>
@@ -696,7 +696,7 @@
           <p:cNvPr id="6" name="灯片编号占位符 5">
             <a:extLst>
               <a:ext uri="{FF2B5EF4-FFF2-40B4-BE49-F238E27FC236}">
-                <a16:creationId xmlns:a16="http://schemas.microsoft.com/office/drawing/2014/main" id="{1E5C2EBA-8AF3-8AB1-1E1B-C7D4A362E7B3}"/>
+                <a16:creationId xmlns:a16="http://schemas.microsoft.com/office/drawing/2014/main" id="{32B739A7-2F9E-6F48-8524-EA518234BEA9}"/>
               </a:ext>
             </a:extLst>
           </p:cNvPr>
@@ -712,7 +712,7 @@
           <a:bodyPr/>
           <a:lstStyle/>
           <a:p>
-            <a:fld id="{7976827E-225F-4BF1-A848-3EE5B84B17C1}" type="slidenum">
+            <a:fld id="{1C4559B9-668C-4DA9-A6EF-F44F8F48316C}" type="slidenum">
               <a:rPr lang="zh-CN" altLang="en-US" smtClean="0"/>
               <a:t>‹#›</a:t>
             </a:fld>
@@ -723,7 +723,7 @@
     </p:spTree>
     <p:extLst>
       <p:ext uri="{BB962C8B-B14F-4D97-AF65-F5344CB8AC3E}">
-        <p14:creationId xmlns:p14="http://schemas.microsoft.com/office/powerpoint/2010/main" val="31861596"/>
+        <p14:creationId xmlns:p14="http://schemas.microsoft.com/office/powerpoint/2010/main" val="3552739687"/>
       </p:ext>
     </p:extLst>
   </p:cSld>
@@ -755,7 +755,7 @@
           <p:cNvPr id="2" name="标题 1">
             <a:extLst>
               <a:ext uri="{FF2B5EF4-FFF2-40B4-BE49-F238E27FC236}">
-                <a16:creationId xmlns:a16="http://schemas.microsoft.com/office/drawing/2014/main" id="{29CF926B-9202-E26E-87A8-FCD98B3666EB}"/>
+                <a16:creationId xmlns:a16="http://schemas.microsoft.com/office/drawing/2014/main" id="{009690DB-11D8-1343-84F0-14EB65C2D900}"/>
               </a:ext>
             </a:extLst>
           </p:cNvPr>
@@ -783,7 +783,7 @@
           <p:cNvPr id="3" name="内容占位符 2">
             <a:extLst>
               <a:ext uri="{FF2B5EF4-FFF2-40B4-BE49-F238E27FC236}">
-                <a16:creationId xmlns:a16="http://schemas.microsoft.com/office/drawing/2014/main" id="{1F1297A5-BEF2-346C-B6FA-D924C22A4E28}"/>
+                <a16:creationId xmlns:a16="http://schemas.microsoft.com/office/drawing/2014/main" id="{6C5F1822-042E-212B-F020-2307082DE4F2}"/>
               </a:ext>
             </a:extLst>
           </p:cNvPr>
@@ -840,7 +840,7 @@
           <p:cNvPr id="4" name="日期占位符 3">
             <a:extLst>
               <a:ext uri="{FF2B5EF4-FFF2-40B4-BE49-F238E27FC236}">
-                <a16:creationId xmlns:a16="http://schemas.microsoft.com/office/drawing/2014/main" id="{F430ECE4-C981-5397-AED3-C4A9B6B68B6E}"/>
+                <a16:creationId xmlns:a16="http://schemas.microsoft.com/office/drawing/2014/main" id="{6F98864A-50FA-AE4C-CDBA-06D721B94920}"/>
               </a:ext>
             </a:extLst>
           </p:cNvPr>
@@ -856,7 +856,7 @@
           <a:bodyPr/>
           <a:lstStyle/>
           <a:p>
-            <a:fld id="{606452F1-6DD0-4F52-8CD5-FB790D624D43}" type="datetimeFigureOut">
+            <a:fld id="{C2124310-3219-47AE-B5F0-B03BEB37247F}" type="datetimeFigureOut">
               <a:rPr lang="zh-CN" altLang="en-US" smtClean="0"/>
               <a:t>2024/3/10</a:t>
             </a:fld>
@@ -869,7 +869,7 @@
           <p:cNvPr id="5" name="页脚占位符 4">
             <a:extLst>
               <a:ext uri="{FF2B5EF4-FFF2-40B4-BE49-F238E27FC236}">
-                <a16:creationId xmlns:a16="http://schemas.microsoft.com/office/drawing/2014/main" id="{6C24D93A-6EA8-211D-9614-A977D564E220}"/>
+                <a16:creationId xmlns:a16="http://schemas.microsoft.com/office/drawing/2014/main" id="{5C2EF0F4-EB5A-A6C1-0F2F-D6413A1A711A}"/>
               </a:ext>
             </a:extLst>
           </p:cNvPr>
@@ -894,7 +894,7 @@
           <p:cNvPr id="6" name="灯片编号占位符 5">
             <a:extLst>
               <a:ext uri="{FF2B5EF4-FFF2-40B4-BE49-F238E27FC236}">
-                <a16:creationId xmlns:a16="http://schemas.microsoft.com/office/drawing/2014/main" id="{7F39A5A4-E2FE-D5BB-A44C-6EB4276854FD}"/>
+                <a16:creationId xmlns:a16="http://schemas.microsoft.com/office/drawing/2014/main" id="{D178578A-26E8-B0E8-F6F6-3C2E6EF267BE}"/>
               </a:ext>
             </a:extLst>
           </p:cNvPr>
@@ -910,7 +910,7 @@
           <a:bodyPr/>
           <a:lstStyle/>
           <a:p>
-            <a:fld id="{7976827E-225F-4BF1-A848-3EE5B84B17C1}" type="slidenum">
+            <a:fld id="{1C4559B9-668C-4DA9-A6EF-F44F8F48316C}" type="slidenum">
               <a:rPr lang="zh-CN" altLang="en-US" smtClean="0"/>
               <a:t>‹#›</a:t>
             </a:fld>
@@ -921,7 +921,7 @@
     </p:spTree>
     <p:extLst>
       <p:ext uri="{BB962C8B-B14F-4D97-AF65-F5344CB8AC3E}">
-        <p14:creationId xmlns:p14="http://schemas.microsoft.com/office/powerpoint/2010/main" val="4111462168"/>
+        <p14:creationId xmlns:p14="http://schemas.microsoft.com/office/powerpoint/2010/main" val="2213219204"/>
       </p:ext>
     </p:extLst>
   </p:cSld>
@@ -953,7 +953,7 @@
           <p:cNvPr id="2" name="标题 1">
             <a:extLst>
               <a:ext uri="{FF2B5EF4-FFF2-40B4-BE49-F238E27FC236}">
-                <a16:creationId xmlns:a16="http://schemas.microsoft.com/office/drawing/2014/main" id="{22142936-B201-5BA4-13EC-0904A873F5C4}"/>
+                <a16:creationId xmlns:a16="http://schemas.microsoft.com/office/drawing/2014/main" id="{1183FEF2-6B62-1C85-9240-EE8041DB6DEA}"/>
               </a:ext>
             </a:extLst>
           </p:cNvPr>
@@ -990,7 +990,7 @@
           <p:cNvPr id="3" name="文本占位符 2">
             <a:extLst>
               <a:ext uri="{FF2B5EF4-FFF2-40B4-BE49-F238E27FC236}">
-                <a16:creationId xmlns:a16="http://schemas.microsoft.com/office/drawing/2014/main" id="{5B4D36DF-9614-24F5-76EE-315599A58B78}"/>
+                <a16:creationId xmlns:a16="http://schemas.microsoft.com/office/drawing/2014/main" id="{A5216EAB-EC7B-551C-F425-1FFF3F8A6AC2}"/>
               </a:ext>
             </a:extLst>
           </p:cNvPr>
@@ -1115,7 +1115,7 @@
           <p:cNvPr id="4" name="日期占位符 3">
             <a:extLst>
               <a:ext uri="{FF2B5EF4-FFF2-40B4-BE49-F238E27FC236}">
-                <a16:creationId xmlns:a16="http://schemas.microsoft.com/office/drawing/2014/main" id="{BAB0C32F-4B93-BDD8-32F8-3A6DF623C1CF}"/>
+                <a16:creationId xmlns:a16="http://schemas.microsoft.com/office/drawing/2014/main" id="{129D8A70-75BC-689A-F266-7BF9380E442A}"/>
               </a:ext>
             </a:extLst>
           </p:cNvPr>
@@ -1131,7 +1131,7 @@
           <a:bodyPr/>
           <a:lstStyle/>
           <a:p>
-            <a:fld id="{606452F1-6DD0-4F52-8CD5-FB790D624D43}" type="datetimeFigureOut">
+            <a:fld id="{C2124310-3219-47AE-B5F0-B03BEB37247F}" type="datetimeFigureOut">
               <a:rPr lang="zh-CN" altLang="en-US" smtClean="0"/>
               <a:t>2024/3/10</a:t>
             </a:fld>
@@ -1144,7 +1144,7 @@
           <p:cNvPr id="5" name="页脚占位符 4">
             <a:extLst>
               <a:ext uri="{FF2B5EF4-FFF2-40B4-BE49-F238E27FC236}">
-                <a16:creationId xmlns:a16="http://schemas.microsoft.com/office/drawing/2014/main" id="{1B09B04D-A4A1-C833-7978-829204E122F9}"/>
+                <a16:creationId xmlns:a16="http://schemas.microsoft.com/office/drawing/2014/main" id="{84484239-DCCE-6CAA-ACDB-A0DC679EE61B}"/>
               </a:ext>
             </a:extLst>
           </p:cNvPr>
@@ -1169,7 +1169,7 @@
           <p:cNvPr id="6" name="灯片编号占位符 5">
             <a:extLst>
               <a:ext uri="{FF2B5EF4-FFF2-40B4-BE49-F238E27FC236}">
-                <a16:creationId xmlns:a16="http://schemas.microsoft.com/office/drawing/2014/main" id="{2BAD0042-19EC-F650-81DD-3C45B91107BD}"/>
+                <a16:creationId xmlns:a16="http://schemas.microsoft.com/office/drawing/2014/main" id="{B9EBAB0A-C574-B2D3-F35A-A7D79D3277F1}"/>
               </a:ext>
             </a:extLst>
           </p:cNvPr>
@@ -1185,7 +1185,7 @@
           <a:bodyPr/>
           <a:lstStyle/>
           <a:p>
-            <a:fld id="{7976827E-225F-4BF1-A848-3EE5B84B17C1}" type="slidenum">
+            <a:fld id="{1C4559B9-668C-4DA9-A6EF-F44F8F48316C}" type="slidenum">
               <a:rPr lang="zh-CN" altLang="en-US" smtClean="0"/>
               <a:t>‹#›</a:t>
             </a:fld>
@@ -1196,7 +1196,7 @@
     </p:spTree>
     <p:extLst>
       <p:ext uri="{BB962C8B-B14F-4D97-AF65-F5344CB8AC3E}">
-        <p14:creationId xmlns:p14="http://schemas.microsoft.com/office/powerpoint/2010/main" val="571041258"/>
+        <p14:creationId xmlns:p14="http://schemas.microsoft.com/office/powerpoint/2010/main" val="3405546774"/>
       </p:ext>
     </p:extLst>
   </p:cSld>
@@ -1228,7 +1228,7 @@
           <p:cNvPr id="2" name="标题 1">
             <a:extLst>
               <a:ext uri="{FF2B5EF4-FFF2-40B4-BE49-F238E27FC236}">
-                <a16:creationId xmlns:a16="http://schemas.microsoft.com/office/drawing/2014/main" id="{EE723675-788C-6C92-8C18-A4857E1B8AC4}"/>
+                <a16:creationId xmlns:a16="http://schemas.microsoft.com/office/drawing/2014/main" id="{9D2EBA3C-3B0E-C7D5-43F4-39070CAF26B4}"/>
               </a:ext>
             </a:extLst>
           </p:cNvPr>
@@ -1256,7 +1256,7 @@
           <p:cNvPr id="3" name="内容占位符 2">
             <a:extLst>
               <a:ext uri="{FF2B5EF4-FFF2-40B4-BE49-F238E27FC236}">
-                <a16:creationId xmlns:a16="http://schemas.microsoft.com/office/drawing/2014/main" id="{76F17DC6-6EF6-86DF-337D-8E38BDF647F7}"/>
+                <a16:creationId xmlns:a16="http://schemas.microsoft.com/office/drawing/2014/main" id="{A18C5F3D-B4FB-88F8-5C8B-49FB0F455BD6}"/>
               </a:ext>
             </a:extLst>
           </p:cNvPr>
@@ -1318,7 +1318,7 @@
           <p:cNvPr id="4" name="内容占位符 3">
             <a:extLst>
               <a:ext uri="{FF2B5EF4-FFF2-40B4-BE49-F238E27FC236}">
-                <a16:creationId xmlns:a16="http://schemas.microsoft.com/office/drawing/2014/main" id="{BB6CCD7F-4B2C-7CFC-453D-520D26F69EF7}"/>
+                <a16:creationId xmlns:a16="http://schemas.microsoft.com/office/drawing/2014/main" id="{F90E9CA5-249A-DEA9-76F8-BB4E76D983F6}"/>
               </a:ext>
             </a:extLst>
           </p:cNvPr>
@@ -1380,7 +1380,7 @@
           <p:cNvPr id="5" name="日期占位符 4">
             <a:extLst>
               <a:ext uri="{FF2B5EF4-FFF2-40B4-BE49-F238E27FC236}">
-                <a16:creationId xmlns:a16="http://schemas.microsoft.com/office/drawing/2014/main" id="{5BF2AE58-4599-2FCE-17C5-C91AF02601DC}"/>
+                <a16:creationId xmlns:a16="http://schemas.microsoft.com/office/drawing/2014/main" id="{560C5768-7275-347A-24BC-F5EA1885AD2E}"/>
               </a:ext>
             </a:extLst>
           </p:cNvPr>
@@ -1396,7 +1396,7 @@
           <a:bodyPr/>
           <a:lstStyle/>
           <a:p>
-            <a:fld id="{606452F1-6DD0-4F52-8CD5-FB790D624D43}" type="datetimeFigureOut">
+            <a:fld id="{C2124310-3219-47AE-B5F0-B03BEB37247F}" type="datetimeFigureOut">
               <a:rPr lang="zh-CN" altLang="en-US" smtClean="0"/>
               <a:t>2024/3/10</a:t>
             </a:fld>
@@ -1409,7 +1409,7 @@
           <p:cNvPr id="6" name="页脚占位符 5">
             <a:extLst>
               <a:ext uri="{FF2B5EF4-FFF2-40B4-BE49-F238E27FC236}">
-                <a16:creationId xmlns:a16="http://schemas.microsoft.com/office/drawing/2014/main" id="{A7231EBA-7A07-9396-9E64-CA4460AF70A9}"/>
+                <a16:creationId xmlns:a16="http://schemas.microsoft.com/office/drawing/2014/main" id="{722C402D-47E7-C3B6-B897-D30F4960A60D}"/>
               </a:ext>
             </a:extLst>
           </p:cNvPr>
@@ -1434,7 +1434,7 @@
           <p:cNvPr id="7" name="灯片编号占位符 6">
             <a:extLst>
               <a:ext uri="{FF2B5EF4-FFF2-40B4-BE49-F238E27FC236}">
-                <a16:creationId xmlns:a16="http://schemas.microsoft.com/office/drawing/2014/main" id="{2475FBA6-219D-6164-46B8-8270FC547A7B}"/>
+                <a16:creationId xmlns:a16="http://schemas.microsoft.com/office/drawing/2014/main" id="{1544943C-D9BA-097E-7974-CBCF52CC2E00}"/>
               </a:ext>
             </a:extLst>
           </p:cNvPr>
@@ -1450,7 +1450,7 @@
           <a:bodyPr/>
           <a:lstStyle/>
           <a:p>
-            <a:fld id="{7976827E-225F-4BF1-A848-3EE5B84B17C1}" type="slidenum">
+            <a:fld id="{1C4559B9-668C-4DA9-A6EF-F44F8F48316C}" type="slidenum">
               <a:rPr lang="zh-CN" altLang="en-US" smtClean="0"/>
               <a:t>‹#›</a:t>
             </a:fld>
@@ -1461,7 +1461,7 @@
     </p:spTree>
     <p:extLst>
       <p:ext uri="{BB962C8B-B14F-4D97-AF65-F5344CB8AC3E}">
-        <p14:creationId xmlns:p14="http://schemas.microsoft.com/office/powerpoint/2010/main" val="1309912682"/>
+        <p14:creationId xmlns:p14="http://schemas.microsoft.com/office/powerpoint/2010/main" val="550407416"/>
       </p:ext>
     </p:extLst>
   </p:cSld>
@@ -1493,7 +1493,7 @@
           <p:cNvPr id="2" name="标题 1">
             <a:extLst>
               <a:ext uri="{FF2B5EF4-FFF2-40B4-BE49-F238E27FC236}">
-                <a16:creationId xmlns:a16="http://schemas.microsoft.com/office/drawing/2014/main" id="{0AA4A9BE-955A-410D-3D01-7CF88DAF171C}"/>
+                <a16:creationId xmlns:a16="http://schemas.microsoft.com/office/drawing/2014/main" id="{D6476044-CEBB-3B72-BF3F-CA5B81303940}"/>
               </a:ext>
             </a:extLst>
           </p:cNvPr>
@@ -1526,7 +1526,7 @@
           <p:cNvPr id="3" name="文本占位符 2">
             <a:extLst>
               <a:ext uri="{FF2B5EF4-FFF2-40B4-BE49-F238E27FC236}">
-                <a16:creationId xmlns:a16="http://schemas.microsoft.com/office/drawing/2014/main" id="{682A2AC8-F75D-745C-5B1B-76369F63E06A}"/>
+                <a16:creationId xmlns:a16="http://schemas.microsoft.com/office/drawing/2014/main" id="{F9C40F61-113B-4336-7A88-2B2AF4B00D0B}"/>
               </a:ext>
             </a:extLst>
           </p:cNvPr>
@@ -1597,7 +1597,7 @@
           <p:cNvPr id="4" name="内容占位符 3">
             <a:extLst>
               <a:ext uri="{FF2B5EF4-FFF2-40B4-BE49-F238E27FC236}">
-                <a16:creationId xmlns:a16="http://schemas.microsoft.com/office/drawing/2014/main" id="{AC6DE8B9-C82D-35C6-F003-3AA2829C0B3B}"/>
+                <a16:creationId xmlns:a16="http://schemas.microsoft.com/office/drawing/2014/main" id="{8BDAB76A-B09F-B7A6-9BFD-834163B7113E}"/>
               </a:ext>
             </a:extLst>
           </p:cNvPr>
@@ -1659,7 +1659,7 @@
           <p:cNvPr id="5" name="文本占位符 4">
             <a:extLst>
               <a:ext uri="{FF2B5EF4-FFF2-40B4-BE49-F238E27FC236}">
-                <a16:creationId xmlns:a16="http://schemas.microsoft.com/office/drawing/2014/main" id="{F28D15A4-47A1-5266-8DDE-32B4406EC643}"/>
+                <a16:creationId xmlns:a16="http://schemas.microsoft.com/office/drawing/2014/main" id="{A6EFD95A-ADF0-1E98-A70C-BF3F9D811541}"/>
               </a:ext>
             </a:extLst>
           </p:cNvPr>
@@ -1730,7 +1730,7 @@
           <p:cNvPr id="6" name="内容占位符 5">
             <a:extLst>
               <a:ext uri="{FF2B5EF4-FFF2-40B4-BE49-F238E27FC236}">
-                <a16:creationId xmlns:a16="http://schemas.microsoft.com/office/drawing/2014/main" id="{86E123E6-FDF0-CE70-7D34-9A5205898125}"/>
+                <a16:creationId xmlns:a16="http://schemas.microsoft.com/office/drawing/2014/main" id="{FA789C49-B847-1E98-080A-8B2844D211B9}"/>
               </a:ext>
             </a:extLst>
           </p:cNvPr>
@@ -1792,7 +1792,7 @@
           <p:cNvPr id="7" name="日期占位符 6">
             <a:extLst>
               <a:ext uri="{FF2B5EF4-FFF2-40B4-BE49-F238E27FC236}">
-                <a16:creationId xmlns:a16="http://schemas.microsoft.com/office/drawing/2014/main" id="{61891449-37D1-138F-DC62-28D43125239C}"/>
+                <a16:creationId xmlns:a16="http://schemas.microsoft.com/office/drawing/2014/main" id="{F43A4575-4190-E13F-7B30-8D3340D35665}"/>
               </a:ext>
             </a:extLst>
           </p:cNvPr>
@@ -1808,7 +1808,7 @@
           <a:bodyPr/>
           <a:lstStyle/>
           <a:p>
-            <a:fld id="{606452F1-6DD0-4F52-8CD5-FB790D624D43}" type="datetimeFigureOut">
+            <a:fld id="{C2124310-3219-47AE-B5F0-B03BEB37247F}" type="datetimeFigureOut">
               <a:rPr lang="zh-CN" altLang="en-US" smtClean="0"/>
               <a:t>2024/3/10</a:t>
             </a:fld>
@@ -1821,7 +1821,7 @@
           <p:cNvPr id="8" name="页脚占位符 7">
             <a:extLst>
               <a:ext uri="{FF2B5EF4-FFF2-40B4-BE49-F238E27FC236}">
-                <a16:creationId xmlns:a16="http://schemas.microsoft.com/office/drawing/2014/main" id="{C28C1118-FD85-5E3C-1ED0-F9C989825368}"/>
+                <a16:creationId xmlns:a16="http://schemas.microsoft.com/office/drawing/2014/main" id="{95CC68AC-449A-55F0-9CF0-5FC36EF48EC6}"/>
               </a:ext>
             </a:extLst>
           </p:cNvPr>
@@ -1846,7 +1846,7 @@
           <p:cNvPr id="9" name="灯片编号占位符 8">
             <a:extLst>
               <a:ext uri="{FF2B5EF4-FFF2-40B4-BE49-F238E27FC236}">
-                <a16:creationId xmlns:a16="http://schemas.microsoft.com/office/drawing/2014/main" id="{EE539627-1273-E550-7BDB-6671BC9B43C1}"/>
+                <a16:creationId xmlns:a16="http://schemas.microsoft.com/office/drawing/2014/main" id="{58460BB1-6599-C607-D12F-82A469EF342F}"/>
               </a:ext>
             </a:extLst>
           </p:cNvPr>
@@ -1862,7 +1862,7 @@
           <a:bodyPr/>
           <a:lstStyle/>
           <a:p>
-            <a:fld id="{7976827E-225F-4BF1-A848-3EE5B84B17C1}" type="slidenum">
+            <a:fld id="{1C4559B9-668C-4DA9-A6EF-F44F8F48316C}" type="slidenum">
               <a:rPr lang="zh-CN" altLang="en-US" smtClean="0"/>
               <a:t>‹#›</a:t>
             </a:fld>
@@ -1873,7 +1873,7 @@
     </p:spTree>
     <p:extLst>
       <p:ext uri="{BB962C8B-B14F-4D97-AF65-F5344CB8AC3E}">
-        <p14:creationId xmlns:p14="http://schemas.microsoft.com/office/powerpoint/2010/main" val="587879410"/>
+        <p14:creationId xmlns:p14="http://schemas.microsoft.com/office/powerpoint/2010/main" val="3578082924"/>
       </p:ext>
     </p:extLst>
   </p:cSld>
@@ -1905,7 +1905,7 @@
           <p:cNvPr id="2" name="标题 1">
             <a:extLst>
               <a:ext uri="{FF2B5EF4-FFF2-40B4-BE49-F238E27FC236}">
-                <a16:creationId xmlns:a16="http://schemas.microsoft.com/office/drawing/2014/main" id="{AB4A1C3F-FDD6-E744-9CF5-C7AE8DE73E6B}"/>
+                <a16:creationId xmlns:a16="http://schemas.microsoft.com/office/drawing/2014/main" id="{C0292E35-31EF-D1E0-C576-5997F86F15C8}"/>
               </a:ext>
             </a:extLst>
           </p:cNvPr>
@@ -1933,7 +1933,7 @@
           <p:cNvPr id="3" name="日期占位符 2">
             <a:extLst>
               <a:ext uri="{FF2B5EF4-FFF2-40B4-BE49-F238E27FC236}">
-                <a16:creationId xmlns:a16="http://schemas.microsoft.com/office/drawing/2014/main" id="{1EEE9B9E-585A-988B-89FA-1A3668E1EA92}"/>
+                <a16:creationId xmlns:a16="http://schemas.microsoft.com/office/drawing/2014/main" id="{60914D80-BE01-A9C5-0139-F71E13C6DCD4}"/>
               </a:ext>
             </a:extLst>
           </p:cNvPr>
@@ -1949,7 +1949,7 @@
           <a:bodyPr/>
           <a:lstStyle/>
           <a:p>
-            <a:fld id="{606452F1-6DD0-4F52-8CD5-FB790D624D43}" type="datetimeFigureOut">
+            <a:fld id="{C2124310-3219-47AE-B5F0-B03BEB37247F}" type="datetimeFigureOut">
               <a:rPr lang="zh-CN" altLang="en-US" smtClean="0"/>
               <a:t>2024/3/10</a:t>
             </a:fld>
@@ -1962,7 +1962,7 @@
           <p:cNvPr id="4" name="页脚占位符 3">
             <a:extLst>
               <a:ext uri="{FF2B5EF4-FFF2-40B4-BE49-F238E27FC236}">
-                <a16:creationId xmlns:a16="http://schemas.microsoft.com/office/drawing/2014/main" id="{6C519C9D-59AD-204A-68AA-6BD9A8679890}"/>
+                <a16:creationId xmlns:a16="http://schemas.microsoft.com/office/drawing/2014/main" id="{9C02B2E3-6223-86B0-55AB-93CDDD93478F}"/>
               </a:ext>
             </a:extLst>
           </p:cNvPr>
@@ -1987,7 +1987,7 @@
           <p:cNvPr id="5" name="灯片编号占位符 4">
             <a:extLst>
               <a:ext uri="{FF2B5EF4-FFF2-40B4-BE49-F238E27FC236}">
-                <a16:creationId xmlns:a16="http://schemas.microsoft.com/office/drawing/2014/main" id="{8EE287A9-1E43-CF8D-2C37-34C81EA1799A}"/>
+                <a16:creationId xmlns:a16="http://schemas.microsoft.com/office/drawing/2014/main" id="{29301242-3D9D-117E-6808-BEC0806B92CC}"/>
               </a:ext>
             </a:extLst>
           </p:cNvPr>
@@ -2003,7 +2003,7 @@
           <a:bodyPr/>
           <a:lstStyle/>
           <a:p>
-            <a:fld id="{7976827E-225F-4BF1-A848-3EE5B84B17C1}" type="slidenum">
+            <a:fld id="{1C4559B9-668C-4DA9-A6EF-F44F8F48316C}" type="slidenum">
               <a:rPr lang="zh-CN" altLang="en-US" smtClean="0"/>
               <a:t>‹#›</a:t>
             </a:fld>
@@ -2014,7 +2014,7 @@
     </p:spTree>
     <p:extLst>
       <p:ext uri="{BB962C8B-B14F-4D97-AF65-F5344CB8AC3E}">
-        <p14:creationId xmlns:p14="http://schemas.microsoft.com/office/powerpoint/2010/main" val="3842072447"/>
+        <p14:creationId xmlns:p14="http://schemas.microsoft.com/office/powerpoint/2010/main" val="1099145942"/>
       </p:ext>
     </p:extLst>
   </p:cSld>
@@ -2046,7 +2046,7 @@
           <p:cNvPr id="2" name="日期占位符 1">
             <a:extLst>
               <a:ext uri="{FF2B5EF4-FFF2-40B4-BE49-F238E27FC236}">
-                <a16:creationId xmlns:a16="http://schemas.microsoft.com/office/drawing/2014/main" id="{143AF6CC-549E-4934-F530-DD2E49D33784}"/>
+                <a16:creationId xmlns:a16="http://schemas.microsoft.com/office/drawing/2014/main" id="{72FDE7CE-D234-19F9-5808-1C7F689B4F02}"/>
               </a:ext>
             </a:extLst>
           </p:cNvPr>
@@ -2062,7 +2062,7 @@
           <a:bodyPr/>
           <a:lstStyle/>
           <a:p>
-            <a:fld id="{606452F1-6DD0-4F52-8CD5-FB790D624D43}" type="datetimeFigureOut">
+            <a:fld id="{C2124310-3219-47AE-B5F0-B03BEB37247F}" type="datetimeFigureOut">
               <a:rPr lang="zh-CN" altLang="en-US" smtClean="0"/>
               <a:t>2024/3/10</a:t>
             </a:fld>
@@ -2075,7 +2075,7 @@
           <p:cNvPr id="3" name="页脚占位符 2">
             <a:extLst>
               <a:ext uri="{FF2B5EF4-FFF2-40B4-BE49-F238E27FC236}">
-                <a16:creationId xmlns:a16="http://schemas.microsoft.com/office/drawing/2014/main" id="{4967D0ED-09A6-8A16-C0D5-112EE1088F59}"/>
+                <a16:creationId xmlns:a16="http://schemas.microsoft.com/office/drawing/2014/main" id="{381D3F40-09FF-656F-009B-846843D6EFE9}"/>
               </a:ext>
             </a:extLst>
           </p:cNvPr>
@@ -2100,7 +2100,7 @@
           <p:cNvPr id="4" name="灯片编号占位符 3">
             <a:extLst>
               <a:ext uri="{FF2B5EF4-FFF2-40B4-BE49-F238E27FC236}">
-                <a16:creationId xmlns:a16="http://schemas.microsoft.com/office/drawing/2014/main" id="{932E81E7-715A-D67E-8DD6-9130FE45A760}"/>
+                <a16:creationId xmlns:a16="http://schemas.microsoft.com/office/drawing/2014/main" id="{FAE4E43A-D8D4-42F7-9C1A-59A44EFDF89A}"/>
               </a:ext>
             </a:extLst>
           </p:cNvPr>
@@ -2116,7 +2116,7 @@
           <a:bodyPr/>
           <a:lstStyle/>
           <a:p>
-            <a:fld id="{7976827E-225F-4BF1-A848-3EE5B84B17C1}" type="slidenum">
+            <a:fld id="{1C4559B9-668C-4DA9-A6EF-F44F8F48316C}" type="slidenum">
               <a:rPr lang="zh-CN" altLang="en-US" smtClean="0"/>
               <a:t>‹#›</a:t>
             </a:fld>
@@ -2127,7 +2127,7 @@
     </p:spTree>
     <p:extLst>
       <p:ext uri="{BB962C8B-B14F-4D97-AF65-F5344CB8AC3E}">
-        <p14:creationId xmlns:p14="http://schemas.microsoft.com/office/powerpoint/2010/main" val="1611072168"/>
+        <p14:creationId xmlns:p14="http://schemas.microsoft.com/office/powerpoint/2010/main" val="667523672"/>
       </p:ext>
     </p:extLst>
   </p:cSld>
@@ -2159,7 +2159,7 @@
           <p:cNvPr id="2" name="标题 1">
             <a:extLst>
               <a:ext uri="{FF2B5EF4-FFF2-40B4-BE49-F238E27FC236}">
-                <a16:creationId xmlns:a16="http://schemas.microsoft.com/office/drawing/2014/main" id="{9AE28ACB-4A6D-145B-D405-5F5C0B1E1906}"/>
+                <a16:creationId xmlns:a16="http://schemas.microsoft.com/office/drawing/2014/main" id="{5BBDFCC8-92C0-F91C-ADB9-4C3B2091F487}"/>
               </a:ext>
             </a:extLst>
           </p:cNvPr>
@@ -2196,7 +2196,7 @@
           <p:cNvPr id="3" name="内容占位符 2">
             <a:extLst>
               <a:ext uri="{FF2B5EF4-FFF2-40B4-BE49-F238E27FC236}">
-                <a16:creationId xmlns:a16="http://schemas.microsoft.com/office/drawing/2014/main" id="{DC6F0A06-EE5E-7067-CD65-970A0DCDDEE1}"/>
+                <a16:creationId xmlns:a16="http://schemas.microsoft.com/office/drawing/2014/main" id="{737E3F72-0858-EE5E-E602-DD7B8FAA7630}"/>
               </a:ext>
             </a:extLst>
           </p:cNvPr>
@@ -2286,7 +2286,7 @@
           <p:cNvPr id="4" name="文本占位符 3">
             <a:extLst>
               <a:ext uri="{FF2B5EF4-FFF2-40B4-BE49-F238E27FC236}">
-                <a16:creationId xmlns:a16="http://schemas.microsoft.com/office/drawing/2014/main" id="{DD2E8DEF-07B8-D4EF-99CE-2290103E9A56}"/>
+                <a16:creationId xmlns:a16="http://schemas.microsoft.com/office/drawing/2014/main" id="{09371E47-65EE-3093-F905-6705D2725B8E}"/>
               </a:ext>
             </a:extLst>
           </p:cNvPr>
@@ -2357,7 +2357,7 @@
           <p:cNvPr id="5" name="日期占位符 4">
             <a:extLst>
               <a:ext uri="{FF2B5EF4-FFF2-40B4-BE49-F238E27FC236}">
-                <a16:creationId xmlns:a16="http://schemas.microsoft.com/office/drawing/2014/main" id="{09242E1E-59B4-E277-299D-FE1F6CAD1861}"/>
+                <a16:creationId xmlns:a16="http://schemas.microsoft.com/office/drawing/2014/main" id="{8D73E632-DB59-BDB0-441D-F9BC94EB2DA9}"/>
               </a:ext>
             </a:extLst>
           </p:cNvPr>
@@ -2373,7 +2373,7 @@
           <a:bodyPr/>
           <a:lstStyle/>
           <a:p>
-            <a:fld id="{606452F1-6DD0-4F52-8CD5-FB790D624D43}" type="datetimeFigureOut">
+            <a:fld id="{C2124310-3219-47AE-B5F0-B03BEB37247F}" type="datetimeFigureOut">
               <a:rPr lang="zh-CN" altLang="en-US" smtClean="0"/>
               <a:t>2024/3/10</a:t>
             </a:fld>
@@ -2386,7 +2386,7 @@
           <p:cNvPr id="6" name="页脚占位符 5">
             <a:extLst>
               <a:ext uri="{FF2B5EF4-FFF2-40B4-BE49-F238E27FC236}">
-                <a16:creationId xmlns:a16="http://schemas.microsoft.com/office/drawing/2014/main" id="{64051EC3-94CE-0768-3E4C-D73DBE80B442}"/>
+                <a16:creationId xmlns:a16="http://schemas.microsoft.com/office/drawing/2014/main" id="{EB7EBB28-3289-0D95-C103-8DA82C082405}"/>
               </a:ext>
             </a:extLst>
           </p:cNvPr>
@@ -2411,7 +2411,7 @@
           <p:cNvPr id="7" name="灯片编号占位符 6">
             <a:extLst>
               <a:ext uri="{FF2B5EF4-FFF2-40B4-BE49-F238E27FC236}">
-                <a16:creationId xmlns:a16="http://schemas.microsoft.com/office/drawing/2014/main" id="{88B23BAA-AC90-A6BA-624F-1A61C68ED106}"/>
+                <a16:creationId xmlns:a16="http://schemas.microsoft.com/office/drawing/2014/main" id="{58D838ED-2906-25AC-BB1B-8991C6D5BE68}"/>
               </a:ext>
             </a:extLst>
           </p:cNvPr>
@@ -2427,7 +2427,7 @@
           <a:bodyPr/>
           <a:lstStyle/>
           <a:p>
-            <a:fld id="{7976827E-225F-4BF1-A848-3EE5B84B17C1}" type="slidenum">
+            <a:fld id="{1C4559B9-668C-4DA9-A6EF-F44F8F48316C}" type="slidenum">
               <a:rPr lang="zh-CN" altLang="en-US" smtClean="0"/>
               <a:t>‹#›</a:t>
             </a:fld>
@@ -2438,7 +2438,7 @@
     </p:spTree>
     <p:extLst>
       <p:ext uri="{BB962C8B-B14F-4D97-AF65-F5344CB8AC3E}">
-        <p14:creationId xmlns:p14="http://schemas.microsoft.com/office/powerpoint/2010/main" val="1823221998"/>
+        <p14:creationId xmlns:p14="http://schemas.microsoft.com/office/powerpoint/2010/main" val="45659279"/>
       </p:ext>
     </p:extLst>
   </p:cSld>
@@ -2470,7 +2470,7 @@
           <p:cNvPr id="2" name="标题 1">
             <a:extLst>
               <a:ext uri="{FF2B5EF4-FFF2-40B4-BE49-F238E27FC236}">
-                <a16:creationId xmlns:a16="http://schemas.microsoft.com/office/drawing/2014/main" id="{706B9532-3EAE-B58B-A75E-B8B22286A093}"/>
+                <a16:creationId xmlns:a16="http://schemas.microsoft.com/office/drawing/2014/main" id="{4C6D0A74-EBA1-4CB8-9784-596161648B77}"/>
               </a:ext>
             </a:extLst>
           </p:cNvPr>
@@ -2507,7 +2507,7 @@
           <p:cNvPr id="3" name="图片占位符 2">
             <a:extLst>
               <a:ext uri="{FF2B5EF4-FFF2-40B4-BE49-F238E27FC236}">
-                <a16:creationId xmlns:a16="http://schemas.microsoft.com/office/drawing/2014/main" id="{DC8FDACE-463C-E603-A4C1-07DCBA0D6188}"/>
+                <a16:creationId xmlns:a16="http://schemas.microsoft.com/office/drawing/2014/main" id="{577E4054-BC34-198F-B64A-743E641628DB}"/>
               </a:ext>
             </a:extLst>
           </p:cNvPr>
@@ -2574,7 +2574,7 @@
           <p:cNvPr id="4" name="文本占位符 3">
             <a:extLst>
               <a:ext uri="{FF2B5EF4-FFF2-40B4-BE49-F238E27FC236}">
-                <a16:creationId xmlns:a16="http://schemas.microsoft.com/office/drawing/2014/main" id="{F4A5C52D-22F8-C0E0-362C-E4DA963813F2}"/>
+                <a16:creationId xmlns:a16="http://schemas.microsoft.com/office/drawing/2014/main" id="{D55FF95E-6039-9B24-1052-90E43E79C9EE}"/>
               </a:ext>
             </a:extLst>
           </p:cNvPr>
@@ -2645,7 +2645,7 @@
           <p:cNvPr id="5" name="日期占位符 4">
             <a:extLst>
               <a:ext uri="{FF2B5EF4-FFF2-40B4-BE49-F238E27FC236}">
-                <a16:creationId xmlns:a16="http://schemas.microsoft.com/office/drawing/2014/main" id="{A01A062E-43E9-11F8-8269-63FB9F609BD4}"/>
+                <a16:creationId xmlns:a16="http://schemas.microsoft.com/office/drawing/2014/main" id="{7F512CB9-2748-F039-8E98-E83FFA9666A5}"/>
               </a:ext>
             </a:extLst>
           </p:cNvPr>
@@ -2661,7 +2661,7 @@
           <a:bodyPr/>
           <a:lstStyle/>
           <a:p>
-            <a:fld id="{606452F1-6DD0-4F52-8CD5-FB790D624D43}" type="datetimeFigureOut">
+            <a:fld id="{C2124310-3219-47AE-B5F0-B03BEB37247F}" type="datetimeFigureOut">
               <a:rPr lang="zh-CN" altLang="en-US" smtClean="0"/>
               <a:t>2024/3/10</a:t>
             </a:fld>
@@ -2674,7 +2674,7 @@
           <p:cNvPr id="6" name="页脚占位符 5">
             <a:extLst>
               <a:ext uri="{FF2B5EF4-FFF2-40B4-BE49-F238E27FC236}">
-                <a16:creationId xmlns:a16="http://schemas.microsoft.com/office/drawing/2014/main" id="{05E1355D-266E-193C-77C0-43E09CD4DECE}"/>
+                <a16:creationId xmlns:a16="http://schemas.microsoft.com/office/drawing/2014/main" id="{A93DA454-FC98-B45F-FBD1-5007317FDF7A}"/>
               </a:ext>
             </a:extLst>
           </p:cNvPr>
@@ -2699,7 +2699,7 @@
           <p:cNvPr id="7" name="灯片编号占位符 6">
             <a:extLst>
               <a:ext uri="{FF2B5EF4-FFF2-40B4-BE49-F238E27FC236}">
-                <a16:creationId xmlns:a16="http://schemas.microsoft.com/office/drawing/2014/main" id="{5B4D70A0-2AE0-5D9D-39AD-CE63AF1A6EFE}"/>
+                <a16:creationId xmlns:a16="http://schemas.microsoft.com/office/drawing/2014/main" id="{CA8113FB-976F-D309-58B8-0BF8681C59B5}"/>
               </a:ext>
             </a:extLst>
           </p:cNvPr>
@@ -2715,7 +2715,7 @@
           <a:bodyPr/>
           <a:lstStyle/>
           <a:p>
-            <a:fld id="{7976827E-225F-4BF1-A848-3EE5B84B17C1}" type="slidenum">
+            <a:fld id="{1C4559B9-668C-4DA9-A6EF-F44F8F48316C}" type="slidenum">
               <a:rPr lang="zh-CN" altLang="en-US" smtClean="0"/>
               <a:t>‹#›</a:t>
             </a:fld>
@@ -2726,7 +2726,7 @@
     </p:spTree>
     <p:extLst>
       <p:ext uri="{BB962C8B-B14F-4D97-AF65-F5344CB8AC3E}">
-        <p14:creationId xmlns:p14="http://schemas.microsoft.com/office/powerpoint/2010/main" val="1933179371"/>
+        <p14:creationId xmlns:p14="http://schemas.microsoft.com/office/powerpoint/2010/main" val="519026280"/>
       </p:ext>
     </p:extLst>
   </p:cSld>
@@ -2763,7 +2763,7 @@
           <p:cNvPr id="2" name="标题占位符 1">
             <a:extLst>
               <a:ext uri="{FF2B5EF4-FFF2-40B4-BE49-F238E27FC236}">
-                <a16:creationId xmlns:a16="http://schemas.microsoft.com/office/drawing/2014/main" id="{F93D570B-0153-3628-2F49-A8B2A704F43D}"/>
+                <a16:creationId xmlns:a16="http://schemas.microsoft.com/office/drawing/2014/main" id="{222F6D3F-5C13-D7AC-BED6-E33FA1C49DB8}"/>
               </a:ext>
             </a:extLst>
           </p:cNvPr>
@@ -2801,7 +2801,7 @@
           <p:cNvPr id="3" name="文本占位符 2">
             <a:extLst>
               <a:ext uri="{FF2B5EF4-FFF2-40B4-BE49-F238E27FC236}">
-                <a16:creationId xmlns:a16="http://schemas.microsoft.com/office/drawing/2014/main" id="{40DAE1BB-1E51-A9A6-2857-90B3D15173E4}"/>
+                <a16:creationId xmlns:a16="http://schemas.microsoft.com/office/drawing/2014/main" id="{96BD8BC9-BAC5-9DC5-C1D9-AE70357CF213}"/>
               </a:ext>
             </a:extLst>
           </p:cNvPr>
@@ -2868,7 +2868,7 @@
           <p:cNvPr id="4" name="日期占位符 3">
             <a:extLst>
               <a:ext uri="{FF2B5EF4-FFF2-40B4-BE49-F238E27FC236}">
-                <a16:creationId xmlns:a16="http://schemas.microsoft.com/office/drawing/2014/main" id="{C9628312-9CEA-1592-1F22-B8CC26F1BC77}"/>
+                <a16:creationId xmlns:a16="http://schemas.microsoft.com/office/drawing/2014/main" id="{566591D7-ED26-46F4-BFAF-BF242C2A08E6}"/>
               </a:ext>
             </a:extLst>
           </p:cNvPr>
@@ -2902,7 +2902,7 @@
             </a:lvl1pPr>
           </a:lstStyle>
           <a:p>
-            <a:fld id="{606452F1-6DD0-4F52-8CD5-FB790D624D43}" type="datetimeFigureOut">
+            <a:fld id="{C2124310-3219-47AE-B5F0-B03BEB37247F}" type="datetimeFigureOut">
               <a:rPr lang="zh-CN" altLang="en-US" smtClean="0"/>
               <a:t>2024/3/10</a:t>
             </a:fld>
@@ -2915,7 +2915,7 @@
           <p:cNvPr id="5" name="页脚占位符 4">
             <a:extLst>
               <a:ext uri="{FF2B5EF4-FFF2-40B4-BE49-F238E27FC236}">
-                <a16:creationId xmlns:a16="http://schemas.microsoft.com/office/drawing/2014/main" id="{A75D0808-712A-FCBA-9AC2-541A390B5EEB}"/>
+                <a16:creationId xmlns:a16="http://schemas.microsoft.com/office/drawing/2014/main" id="{6C3288A5-9A6F-DD77-05C2-F32CDED92910}"/>
               </a:ext>
             </a:extLst>
           </p:cNvPr>
@@ -2958,7 +2958,7 @@
           <p:cNvPr id="6" name="灯片编号占位符 5">
             <a:extLst>
               <a:ext uri="{FF2B5EF4-FFF2-40B4-BE49-F238E27FC236}">
-                <a16:creationId xmlns:a16="http://schemas.microsoft.com/office/drawing/2014/main" id="{9C8A6F3A-7F2D-D0B2-AB15-1F4B918DD20B}"/>
+                <a16:creationId xmlns:a16="http://schemas.microsoft.com/office/drawing/2014/main" id="{9CDC5C0B-29BE-1370-516C-A0F3B764514F}"/>
               </a:ext>
             </a:extLst>
           </p:cNvPr>
@@ -2992,7 +2992,7 @@
             </a:lvl1pPr>
           </a:lstStyle>
           <a:p>
-            <a:fld id="{7976827E-225F-4BF1-A848-3EE5B84B17C1}" type="slidenum">
+            <a:fld id="{1C4559B9-668C-4DA9-A6EF-F44F8F48316C}" type="slidenum">
               <a:rPr lang="zh-CN" altLang="en-US" smtClean="0"/>
               <a:t>‹#›</a:t>
             </a:fld>
@@ -3003,7 +3003,7 @@
     </p:spTree>
     <p:extLst>
       <p:ext uri="{BB962C8B-B14F-4D97-AF65-F5344CB8AC3E}">
-        <p14:creationId xmlns:p14="http://schemas.microsoft.com/office/powerpoint/2010/main" val="3331863174"/>
+        <p14:creationId xmlns:p14="http://schemas.microsoft.com/office/powerpoint/2010/main" val="3252024325"/>
       </p:ext>
     </p:extLst>
   </p:cSld>
